--- a/sp_ontology_v4.0/imagenes_indexV4.0/figure1.pptx
+++ b/sp_ontology_v4.0/imagenes_indexV4.0/figure1.pptx
@@ -288,7 +288,7 @@
           <a:p>
             <a:fld id="{D23FE98C-6216-D14E-9C54-F28523B2EC7E}" type="datetimeFigureOut">
               <a:rPr lang="es-ES" smtClean="0"/>
-              <a:t>21/04/17</a:t>
+              <a:t>20/06/17</a:t>
             </a:fld>
             <a:endParaRPr lang="en-US"/>
           </a:p>
@@ -458,7 +458,7 @@
           <a:p>
             <a:fld id="{D23FE98C-6216-D14E-9C54-F28523B2EC7E}" type="datetimeFigureOut">
               <a:rPr lang="es-ES" smtClean="0"/>
-              <a:t>21/04/17</a:t>
+              <a:t>20/06/17</a:t>
             </a:fld>
             <a:endParaRPr lang="en-US"/>
           </a:p>
@@ -638,7 +638,7 @@
           <a:p>
             <a:fld id="{D23FE98C-6216-D14E-9C54-F28523B2EC7E}" type="datetimeFigureOut">
               <a:rPr lang="es-ES" smtClean="0"/>
-              <a:t>21/04/17</a:t>
+              <a:t>20/06/17</a:t>
             </a:fld>
             <a:endParaRPr lang="en-US"/>
           </a:p>
@@ -808,7 +808,7 @@
           <a:p>
             <a:fld id="{D23FE98C-6216-D14E-9C54-F28523B2EC7E}" type="datetimeFigureOut">
               <a:rPr lang="es-ES" smtClean="0"/>
-              <a:t>21/04/17</a:t>
+              <a:t>20/06/17</a:t>
             </a:fld>
             <a:endParaRPr lang="en-US"/>
           </a:p>
@@ -1054,7 +1054,7 @@
           <a:p>
             <a:fld id="{D23FE98C-6216-D14E-9C54-F28523B2EC7E}" type="datetimeFigureOut">
               <a:rPr lang="es-ES" smtClean="0"/>
-              <a:t>21/04/17</a:t>
+              <a:t>20/06/17</a:t>
             </a:fld>
             <a:endParaRPr lang="en-US"/>
           </a:p>
@@ -1342,7 +1342,7 @@
           <a:p>
             <a:fld id="{D23FE98C-6216-D14E-9C54-F28523B2EC7E}" type="datetimeFigureOut">
               <a:rPr lang="es-ES" smtClean="0"/>
-              <a:t>21/04/17</a:t>
+              <a:t>20/06/17</a:t>
             </a:fld>
             <a:endParaRPr lang="en-US"/>
           </a:p>
@@ -1764,7 +1764,7 @@
           <a:p>
             <a:fld id="{D23FE98C-6216-D14E-9C54-F28523B2EC7E}" type="datetimeFigureOut">
               <a:rPr lang="es-ES" smtClean="0"/>
-              <a:t>21/04/17</a:t>
+              <a:t>20/06/17</a:t>
             </a:fld>
             <a:endParaRPr lang="en-US"/>
           </a:p>
@@ -1882,7 +1882,7 @@
           <a:p>
             <a:fld id="{D23FE98C-6216-D14E-9C54-F28523B2EC7E}" type="datetimeFigureOut">
               <a:rPr lang="es-ES" smtClean="0"/>
-              <a:t>21/04/17</a:t>
+              <a:t>20/06/17</a:t>
             </a:fld>
             <a:endParaRPr lang="en-US"/>
           </a:p>
@@ -1977,7 +1977,7 @@
           <a:p>
             <a:fld id="{D23FE98C-6216-D14E-9C54-F28523B2EC7E}" type="datetimeFigureOut">
               <a:rPr lang="es-ES" smtClean="0"/>
-              <a:t>21/04/17</a:t>
+              <a:t>20/06/17</a:t>
             </a:fld>
             <a:endParaRPr lang="en-US"/>
           </a:p>
@@ -2254,7 +2254,7 @@
           <a:p>
             <a:fld id="{D23FE98C-6216-D14E-9C54-F28523B2EC7E}" type="datetimeFigureOut">
               <a:rPr lang="es-ES" smtClean="0"/>
-              <a:t>21/04/17</a:t>
+              <a:t>20/06/17</a:t>
             </a:fld>
             <a:endParaRPr lang="en-US"/>
           </a:p>
@@ -2507,7 +2507,7 @@
           <a:p>
             <a:fld id="{D23FE98C-6216-D14E-9C54-F28523B2EC7E}" type="datetimeFigureOut">
               <a:rPr lang="es-ES" smtClean="0"/>
-              <a:t>21/04/17</a:t>
+              <a:t>20/06/17</a:t>
             </a:fld>
             <a:endParaRPr lang="en-US"/>
           </a:p>
@@ -2720,7 +2720,7 @@
           <a:p>
             <a:fld id="{D23FE98C-6216-D14E-9C54-F28523B2EC7E}" type="datetimeFigureOut">
               <a:rPr lang="es-ES" smtClean="0"/>
-              <a:t>21/04/17</a:t>
+              <a:t>20/06/17</a:t>
             </a:fld>
             <a:endParaRPr lang="en-US"/>
           </a:p>
@@ -3193,9 +3193,133 @@
           </a:p>
         </p:txBody>
       </p:sp>
+      <p:sp>
+        <p:nvSpPr>
+          <p:cNvPr id="7" name="CuadroTexto 6"/>
+          <p:cNvSpPr txBox="1"/>
+          <p:nvPr/>
+        </p:nvSpPr>
+        <p:spPr>
+          <a:xfrm>
+            <a:off x="0" y="654333"/>
+            <a:ext cx="2997635" cy="276999"/>
+          </a:xfrm>
+          <a:prstGeom prst="rect">
+            <a:avLst/>
+          </a:prstGeom>
+          <a:noFill/>
+        </p:spPr>
+        <p:txBody>
+          <a:bodyPr wrap="none" rtlCol="0">
+            <a:spAutoFit/>
+          </a:bodyPr>
+          <a:lstStyle/>
+          <a:p>
+            <a:r>
+              <a:rPr lang="en-US" sz="1200" b="1" dirty="0" smtClean="0">
+                <a:solidFill>
+                  <a:schemeClr val="tx2"/>
+                </a:solidFill>
+                <a:latin typeface="Arial"/>
+                <a:cs typeface="Arial"/>
+              </a:rPr>
+              <a:t>SMART Protocols </a:t>
+            </a:r>
+            <a:r>
+              <a:rPr lang="mr-IN" sz="1200" b="1" dirty="0" smtClean="0">
+                <a:solidFill>
+                  <a:schemeClr val="tx2"/>
+                </a:solidFill>
+                <a:latin typeface="Arial"/>
+                <a:cs typeface="Arial"/>
+              </a:rPr>
+              <a:t>–</a:t>
+            </a:r>
+            <a:r>
+              <a:rPr lang="en-US" sz="1200" b="1" dirty="0" smtClean="0">
+                <a:solidFill>
+                  <a:schemeClr val="tx2"/>
+                </a:solidFill>
+                <a:latin typeface="Arial"/>
+                <a:cs typeface="Arial"/>
+              </a:rPr>
+              <a:t> Document module</a:t>
+            </a:r>
+            <a:endParaRPr lang="en-US" sz="1200" b="1" dirty="0">
+              <a:solidFill>
+                <a:schemeClr val="tx2"/>
+              </a:solidFill>
+              <a:latin typeface="Arial"/>
+              <a:cs typeface="Arial"/>
+            </a:endParaRPr>
+          </a:p>
+        </p:txBody>
+      </p:sp>
+      <p:sp>
+        <p:nvSpPr>
+          <p:cNvPr id="8" name="CuadroTexto 7"/>
+          <p:cNvSpPr txBox="1"/>
+          <p:nvPr/>
+        </p:nvSpPr>
+        <p:spPr>
+          <a:xfrm>
+            <a:off x="4399841" y="1882001"/>
+            <a:ext cx="2972013" cy="276999"/>
+          </a:xfrm>
+          <a:prstGeom prst="rect">
+            <a:avLst/>
+          </a:prstGeom>
+          <a:noFill/>
+        </p:spPr>
+        <p:txBody>
+          <a:bodyPr wrap="none" rtlCol="0">
+            <a:spAutoFit/>
+          </a:bodyPr>
+          <a:lstStyle/>
+          <a:p>
+            <a:r>
+              <a:rPr lang="en-US" sz="1200" b="1" dirty="0" smtClean="0">
+                <a:solidFill>
+                  <a:schemeClr val="accent2"/>
+                </a:solidFill>
+                <a:latin typeface="Arial"/>
+                <a:cs typeface="Arial"/>
+              </a:rPr>
+              <a:t>SMART Protocols </a:t>
+            </a:r>
+            <a:r>
+              <a:rPr lang="mr-IN" sz="1200" b="1" dirty="0" smtClean="0">
+                <a:solidFill>
+                  <a:schemeClr val="accent2"/>
+                </a:solidFill>
+                <a:latin typeface="Arial"/>
+                <a:cs typeface="Arial"/>
+              </a:rPr>
+              <a:t>–</a:t>
+            </a:r>
+            <a:r>
+              <a:rPr lang="en-US" sz="1200" b="1" dirty="0" smtClean="0">
+                <a:solidFill>
+                  <a:schemeClr val="accent2"/>
+                </a:solidFill>
+                <a:latin typeface="Arial"/>
+                <a:cs typeface="Arial"/>
+              </a:rPr>
+              <a:t> Workflow module</a:t>
+            </a:r>
+            <a:endParaRPr lang="en-US" sz="1200" b="1" dirty="0">
+              <a:solidFill>
+                <a:schemeClr val="accent2"/>
+              </a:solidFill>
+              <a:latin typeface="Arial"/>
+              <a:cs typeface="Arial"/>
+            </a:endParaRPr>
+          </a:p>
+        </p:txBody>
+      </p:sp>
       <p:pic>
         <p:nvPicPr>
-          <p:cNvPr id="4" name="Imagen 3" descr="Untitled(2).png"/>
+          <p:cNvPr id="2" name="Imagen 1" descr="Annex5_Ontology.png"/>
           <p:cNvPicPr>
             <a:picLocks noChangeAspect="1"/>
           </p:cNvPicPr>
@@ -3215,138 +3339,14 @@
         </p:blipFill>
         <p:spPr>
           <a:xfrm>
-            <a:off x="-56444" y="1041400"/>
-            <a:ext cx="9144000" cy="4766126"/>
+            <a:off x="-55820" y="1181100"/>
+            <a:ext cx="9144000" cy="4478284"/>
           </a:xfrm>
           <a:prstGeom prst="rect">
             <a:avLst/>
           </a:prstGeom>
         </p:spPr>
       </p:pic>
-      <p:sp>
-        <p:nvSpPr>
-          <p:cNvPr id="7" name="CuadroTexto 6"/>
-          <p:cNvSpPr txBox="1"/>
-          <p:nvPr/>
-        </p:nvSpPr>
-        <p:spPr>
-          <a:xfrm>
-            <a:off x="0" y="654333"/>
-            <a:ext cx="2997635" cy="276999"/>
-          </a:xfrm>
-          <a:prstGeom prst="rect">
-            <a:avLst/>
-          </a:prstGeom>
-          <a:noFill/>
-        </p:spPr>
-        <p:txBody>
-          <a:bodyPr wrap="none" rtlCol="0">
-            <a:spAutoFit/>
-          </a:bodyPr>
-          <a:lstStyle/>
-          <a:p>
-            <a:r>
-              <a:rPr lang="en-US" sz="1200" b="1" dirty="0" smtClean="0">
-                <a:solidFill>
-                  <a:schemeClr val="tx2"/>
-                </a:solidFill>
-                <a:latin typeface="Arial"/>
-                <a:cs typeface="Arial"/>
-              </a:rPr>
-              <a:t>SMART Protocols </a:t>
-            </a:r>
-            <a:r>
-              <a:rPr lang="mr-IN" sz="1200" b="1" dirty="0" smtClean="0">
-                <a:solidFill>
-                  <a:schemeClr val="tx2"/>
-                </a:solidFill>
-                <a:latin typeface="Arial"/>
-                <a:cs typeface="Arial"/>
-              </a:rPr>
-              <a:t>–</a:t>
-            </a:r>
-            <a:r>
-              <a:rPr lang="en-US" sz="1200" b="1" dirty="0" smtClean="0">
-                <a:solidFill>
-                  <a:schemeClr val="tx2"/>
-                </a:solidFill>
-                <a:latin typeface="Arial"/>
-                <a:cs typeface="Arial"/>
-              </a:rPr>
-              <a:t> Document module</a:t>
-            </a:r>
-            <a:endParaRPr lang="en-US" sz="1200" b="1" dirty="0">
-              <a:solidFill>
-                <a:schemeClr val="tx2"/>
-              </a:solidFill>
-              <a:latin typeface="Arial"/>
-              <a:cs typeface="Arial"/>
-            </a:endParaRPr>
-          </a:p>
-        </p:txBody>
-      </p:sp>
-      <p:sp>
-        <p:nvSpPr>
-          <p:cNvPr id="8" name="CuadroTexto 7"/>
-          <p:cNvSpPr txBox="1"/>
-          <p:nvPr/>
-        </p:nvSpPr>
-        <p:spPr>
-          <a:xfrm>
-            <a:off x="4399841" y="1882001"/>
-            <a:ext cx="2972013" cy="276999"/>
-          </a:xfrm>
-          <a:prstGeom prst="rect">
-            <a:avLst/>
-          </a:prstGeom>
-          <a:noFill/>
-        </p:spPr>
-        <p:txBody>
-          <a:bodyPr wrap="none" rtlCol="0">
-            <a:spAutoFit/>
-          </a:bodyPr>
-          <a:lstStyle/>
-          <a:p>
-            <a:r>
-              <a:rPr lang="en-US" sz="1200" b="1" dirty="0" smtClean="0">
-                <a:solidFill>
-                  <a:schemeClr val="accent2"/>
-                </a:solidFill>
-                <a:latin typeface="Arial"/>
-                <a:cs typeface="Arial"/>
-              </a:rPr>
-              <a:t>SMART Protocols </a:t>
-            </a:r>
-            <a:r>
-              <a:rPr lang="mr-IN" sz="1200" b="1" dirty="0" smtClean="0">
-                <a:solidFill>
-                  <a:schemeClr val="accent2"/>
-                </a:solidFill>
-                <a:latin typeface="Arial"/>
-                <a:cs typeface="Arial"/>
-              </a:rPr>
-              <a:t>–</a:t>
-            </a:r>
-            <a:r>
-              <a:rPr lang="en-US" sz="1200" b="1" dirty="0" smtClean="0">
-                <a:solidFill>
-                  <a:schemeClr val="accent2"/>
-                </a:solidFill>
-                <a:latin typeface="Arial"/>
-                <a:cs typeface="Arial"/>
-              </a:rPr>
-              <a:t> Workflow module</a:t>
-            </a:r>
-            <a:endParaRPr lang="en-US" sz="1200" b="1" dirty="0">
-              <a:solidFill>
-                <a:schemeClr val="accent2"/>
-              </a:solidFill>
-              <a:latin typeface="Arial"/>
-              <a:cs typeface="Arial"/>
-            </a:endParaRPr>
-          </a:p>
-        </p:txBody>
-      </p:sp>
     </p:spTree>
     <p:extLst>
       <p:ext uri="{BB962C8B-B14F-4D97-AF65-F5344CB8AC3E}">
